--- a/docker007.pptx
+++ b/docker007.pptx
@@ -636,7 +636,25 @@
                 <a:ea typeface="+mn-ea"/>
                 <a:cs typeface="+mn-cs"/>
               </a:rPr>
-              <a:t>、挂载点等 </a:t>
+              <a:t>、挂载点等 。是用来修改进程视图的主要方法。每种</a:t>
+            </a:r>
+            <a:r>
+              <a:rPr lang="en-US" altLang="zh-CN" sz="1200" kern="1200" dirty="0" smtClean="0">
+                <a:solidFill>
+                  <a:schemeClr val="tx1"/>
+                </a:solidFill>
+                <a:effectLst/>
+                <a:latin typeface="+mn-lt"/>
+                <a:ea typeface="+mn-ea"/>
+                <a:cs typeface="+mn-cs"/>
+              </a:rPr>
+              <a:t>NS</a:t>
+            </a:r>
+            <a:r>
+              <a:rPr lang="zh-CN" altLang="en-US" b="1" dirty="0" smtClean="0">
+                <a:effectLst/>
+              </a:rPr>
+              <a:t>用来对各种不同的进程上下文进行“障眼法”操作。</a:t>
             </a:r>
             <a:r>
               <a:rPr lang="zh-CN" altLang="en-US" sz="1200" kern="1200" dirty="0" smtClean="0">
@@ -648,7 +666,19 @@
                 <a:ea typeface="+mn-ea"/>
                 <a:cs typeface="+mn-cs"/>
               </a:rPr>
-              <a:t>。是</a:t>
+              <a:t>比如，</a:t>
+            </a:r>
+            <a:r>
+              <a:rPr lang="en-US" altLang="zh-CN" sz="1200" kern="1200" dirty="0" smtClean="0">
+                <a:solidFill>
+                  <a:schemeClr val="tx1"/>
+                </a:solidFill>
+                <a:effectLst/>
+                <a:latin typeface="+mn-lt"/>
+                <a:ea typeface="+mn-ea"/>
+                <a:cs typeface="+mn-cs"/>
+              </a:rPr>
+              <a:t>Mount Namespace</a:t>
             </a:r>
             <a:r>
               <a:rPr lang="zh-CN" altLang="en-US" sz="1200" kern="1200" dirty="0" smtClean="0">
@@ -660,7 +690,7 @@
                 <a:ea typeface="+mn-ea"/>
                 <a:cs typeface="+mn-cs"/>
               </a:rPr>
-              <a:t>用来修改进程视图的主要方法。每种</a:t>
+              <a:t>，用于让被隔离进程只看到当前 </a:t>
             </a:r>
             <a:r>
               <a:rPr lang="en-US" altLang="zh-CN" sz="1200" kern="1200" dirty="0" smtClean="0">
@@ -672,133 +702,73 @@
                 <a:ea typeface="+mn-ea"/>
                 <a:cs typeface="+mn-cs"/>
               </a:rPr>
-              <a:t>NS</a:t>
+              <a:t>Namespace </a:t>
+            </a:r>
+            <a:r>
+              <a:rPr lang="zh-CN" altLang="en-US" sz="1200" kern="1200" dirty="0" smtClean="0">
+                <a:solidFill>
+                  <a:schemeClr val="tx1"/>
+                </a:solidFill>
+                <a:effectLst/>
+                <a:latin typeface="+mn-lt"/>
+                <a:ea typeface="+mn-ea"/>
+                <a:cs typeface="+mn-cs"/>
+              </a:rPr>
+              <a:t>里的挂载点信息；</a:t>
+            </a:r>
+            <a:r>
+              <a:rPr lang="en-US" altLang="zh-CN" sz="1200" kern="1200" dirty="0" smtClean="0">
+                <a:solidFill>
+                  <a:schemeClr val="tx1"/>
+                </a:solidFill>
+                <a:effectLst/>
+                <a:latin typeface="+mn-lt"/>
+                <a:ea typeface="+mn-ea"/>
+                <a:cs typeface="+mn-cs"/>
+              </a:rPr>
+              <a:t>Network Namespace</a:t>
+            </a:r>
+            <a:r>
+              <a:rPr lang="zh-CN" altLang="en-US" sz="1200" kern="1200" dirty="0" smtClean="0">
+                <a:solidFill>
+                  <a:schemeClr val="tx1"/>
+                </a:solidFill>
+                <a:effectLst/>
+                <a:latin typeface="+mn-lt"/>
+                <a:ea typeface="+mn-ea"/>
+                <a:cs typeface="+mn-cs"/>
+              </a:rPr>
+              <a:t>，用于让被隔离进程看到当前 </a:t>
+            </a:r>
+            <a:r>
+              <a:rPr lang="en-US" altLang="zh-CN" sz="1200" kern="1200" dirty="0" smtClean="0">
+                <a:solidFill>
+                  <a:schemeClr val="tx1"/>
+                </a:solidFill>
+                <a:effectLst/>
+                <a:latin typeface="+mn-lt"/>
+                <a:ea typeface="+mn-ea"/>
+                <a:cs typeface="+mn-cs"/>
+              </a:rPr>
+              <a:t>Namespace </a:t>
+            </a:r>
+            <a:r>
+              <a:rPr lang="zh-CN" altLang="en-US" sz="1200" kern="1200" dirty="0" smtClean="0">
+                <a:solidFill>
+                  <a:schemeClr val="tx1"/>
+                </a:solidFill>
+                <a:effectLst/>
+                <a:latin typeface="+mn-lt"/>
+                <a:ea typeface="+mn-ea"/>
+                <a:cs typeface="+mn-cs"/>
+              </a:rPr>
+              <a:t>里的网络设备和配置。</a:t>
             </a:r>
             <a:r>
               <a:rPr lang="zh-CN" altLang="en-US" b="1" dirty="0" smtClean="0">
                 <a:effectLst/>
               </a:rPr>
-              <a:t>用来对各种不同的进程上下文进行“障眼法”操作。</a:t>
-            </a:r>
-            <a:r>
-              <a:rPr lang="zh-CN" altLang="en-US" sz="1200" kern="1200" dirty="0" smtClean="0">
-                <a:solidFill>
-                  <a:schemeClr val="tx1"/>
-                </a:solidFill>
-                <a:effectLst/>
-                <a:latin typeface="+mn-lt"/>
-                <a:ea typeface="+mn-ea"/>
-                <a:cs typeface="+mn-cs"/>
-              </a:rPr>
-              <a:t>比如，</a:t>
-            </a:r>
-            <a:r>
-              <a:rPr lang="en-US" altLang="zh-CN" sz="1200" kern="1200" dirty="0" smtClean="0">
-                <a:solidFill>
-                  <a:schemeClr val="tx1"/>
-                </a:solidFill>
-                <a:effectLst/>
-                <a:latin typeface="+mn-lt"/>
-                <a:ea typeface="+mn-ea"/>
-                <a:cs typeface="+mn-cs"/>
-              </a:rPr>
-              <a:t>Mount Namespace</a:t>
-            </a:r>
-            <a:r>
-              <a:rPr lang="zh-CN" altLang="en-US" sz="1200" kern="1200" dirty="0" smtClean="0">
-                <a:solidFill>
-                  <a:schemeClr val="tx1"/>
-                </a:solidFill>
-                <a:effectLst/>
-                <a:latin typeface="+mn-lt"/>
-                <a:ea typeface="+mn-ea"/>
-                <a:cs typeface="+mn-cs"/>
-              </a:rPr>
-              <a:t>，用于让被隔离进程只看到当前 </a:t>
-            </a:r>
-            <a:r>
-              <a:rPr lang="en-US" altLang="zh-CN" sz="1200" kern="1200" dirty="0" smtClean="0">
-                <a:solidFill>
-                  <a:schemeClr val="tx1"/>
-                </a:solidFill>
-                <a:effectLst/>
-                <a:latin typeface="+mn-lt"/>
-                <a:ea typeface="+mn-ea"/>
-                <a:cs typeface="+mn-cs"/>
-              </a:rPr>
-              <a:t>Namespace </a:t>
-            </a:r>
-            <a:r>
-              <a:rPr lang="zh-CN" altLang="en-US" sz="1200" kern="1200" dirty="0" smtClean="0">
-                <a:solidFill>
-                  <a:schemeClr val="tx1"/>
-                </a:solidFill>
-                <a:effectLst/>
-                <a:latin typeface="+mn-lt"/>
-                <a:ea typeface="+mn-ea"/>
-                <a:cs typeface="+mn-cs"/>
-              </a:rPr>
-              <a:t>里的挂载点信息；</a:t>
-            </a:r>
-            <a:r>
-              <a:rPr lang="en-US" altLang="zh-CN" sz="1200" kern="1200" dirty="0" smtClean="0">
-                <a:solidFill>
-                  <a:schemeClr val="tx1"/>
-                </a:solidFill>
-                <a:effectLst/>
-                <a:latin typeface="+mn-lt"/>
-                <a:ea typeface="+mn-ea"/>
-                <a:cs typeface="+mn-cs"/>
-              </a:rPr>
-              <a:t>Network Namespace</a:t>
-            </a:r>
-            <a:r>
-              <a:rPr lang="zh-CN" altLang="en-US" sz="1200" kern="1200" dirty="0" smtClean="0">
-                <a:solidFill>
-                  <a:schemeClr val="tx1"/>
-                </a:solidFill>
-                <a:effectLst/>
-                <a:latin typeface="+mn-lt"/>
-                <a:ea typeface="+mn-ea"/>
-                <a:cs typeface="+mn-cs"/>
-              </a:rPr>
-              <a:t>，用于让被隔离进程看到当前 </a:t>
-            </a:r>
-            <a:r>
-              <a:rPr lang="en-US" altLang="zh-CN" sz="1200" kern="1200" dirty="0" smtClean="0">
-                <a:solidFill>
-                  <a:schemeClr val="tx1"/>
-                </a:solidFill>
-                <a:effectLst/>
-                <a:latin typeface="+mn-lt"/>
-                <a:ea typeface="+mn-ea"/>
-                <a:cs typeface="+mn-cs"/>
-              </a:rPr>
-              <a:t>Namespace </a:t>
-            </a:r>
-            <a:r>
-              <a:rPr lang="zh-CN" altLang="en-US" sz="1200" kern="1200" dirty="0" smtClean="0">
-                <a:solidFill>
-                  <a:schemeClr val="tx1"/>
-                </a:solidFill>
-                <a:effectLst/>
-                <a:latin typeface="+mn-lt"/>
-                <a:ea typeface="+mn-ea"/>
-                <a:cs typeface="+mn-cs"/>
-              </a:rPr>
-              <a:t>里的网络设备和配置。</a:t>
-            </a:r>
-            <a:r>
-              <a:rPr lang="zh-CN" altLang="en-US" b="1" dirty="0" smtClean="0">
-                <a:effectLst/>
-              </a:rPr>
-              <a:t>所以说，容器，其实是一种特殊的进程而已</a:t>
-            </a:r>
-            <a:r>
-              <a:rPr lang="zh-CN" altLang="en-US" b="1" dirty="0" smtClean="0">
-                <a:effectLst/>
-              </a:rPr>
-              <a:t>。</a:t>
+              <a:t>所以说，容器，其实是一种特殊的进程而已。</a:t>
             </a:r>
             <a:endParaRPr lang="en-US" altLang="zh-CN" b="1" dirty="0" smtClean="0">
               <a:effectLst/>
@@ -2710,6 +2680,90 @@
           <a:p>
             <a:fld id="{2A48A843-6325-C940-A430-FD72B9AFF102}" type="slidenum">
               <a:rPr kumimoji="1" lang="zh-CN" altLang="en-US" smtClean="0"/>
+              <a:t>15</a:t>
+            </a:fld>
+            <a:endParaRPr kumimoji="1" lang="zh-CN" altLang="en-US"/>
+          </a:p>
+        </p:txBody>
+      </p:sp>
+    </p:spTree>
+    <p:extLst>
+      <p:ext uri="{BB962C8B-B14F-4D97-AF65-F5344CB8AC3E}">
+        <p14:creationId xmlns:p14="http://schemas.microsoft.com/office/powerpoint/2010/main" val="73394697"/>
+      </p:ext>
+    </p:extLst>
+  </p:cSld>
+  <p:clrMapOvr>
+    <a:masterClrMapping/>
+  </p:clrMapOvr>
+</p:notes>
+</file>
+
+<file path=ppt/notesSlides/notesSlide14.xml><?xml version="1.0" encoding="utf-8"?>
+<p:notes xmlns:a="http://schemas.openxmlformats.org/drawingml/2006/main" xmlns:r="http://schemas.openxmlformats.org/officeDocument/2006/relationships" xmlns:p="http://schemas.openxmlformats.org/presentationml/2006/main">
+  <p:cSld>
+    <p:spTree>
+      <p:nvGrpSpPr>
+        <p:cNvPr id="1" name=""/>
+        <p:cNvGrpSpPr/>
+        <p:nvPr/>
+      </p:nvGrpSpPr>
+      <p:grpSpPr>
+        <a:xfrm>
+          <a:off x="0" y="0"/>
+          <a:ext cx="0" cy="0"/>
+          <a:chOff x="0" y="0"/>
+          <a:chExt cx="0" cy="0"/>
+        </a:xfrm>
+      </p:grpSpPr>
+      <p:sp>
+        <p:nvSpPr>
+          <p:cNvPr id="2" name="幻灯片图像占位符 1"/>
+          <p:cNvSpPr>
+            <a:spLocks noGrp="1" noRot="1" noChangeAspect="1"/>
+          </p:cNvSpPr>
+          <p:nvPr>
+            <p:ph type="sldImg"/>
+          </p:nvPr>
+        </p:nvSpPr>
+        <p:spPr/>
+      </p:sp>
+      <p:sp>
+        <p:nvSpPr>
+          <p:cNvPr id="3" name="备注占位符 2"/>
+          <p:cNvSpPr>
+            <a:spLocks noGrp="1"/>
+          </p:cNvSpPr>
+          <p:nvPr>
+            <p:ph type="body" idx="1"/>
+          </p:nvPr>
+        </p:nvSpPr>
+        <p:spPr/>
+        <p:txBody>
+          <a:bodyPr/>
+          <a:lstStyle/>
+          <a:p>
+            <a:endParaRPr kumimoji="1" lang="zh-CN" altLang="en-US" dirty="0"/>
+          </a:p>
+        </p:txBody>
+      </p:sp>
+      <p:sp>
+        <p:nvSpPr>
+          <p:cNvPr id="4" name="幻灯片编号占位符 3"/>
+          <p:cNvSpPr>
+            <a:spLocks noGrp="1"/>
+          </p:cNvSpPr>
+          <p:nvPr>
+            <p:ph type="sldNum" sz="quarter" idx="10"/>
+          </p:nvPr>
+        </p:nvSpPr>
+        <p:spPr/>
+        <p:txBody>
+          <a:bodyPr/>
+          <a:lstStyle/>
+          <a:p>
+            <a:fld id="{2A48A843-6325-C940-A430-FD72B9AFF102}" type="slidenum">
+              <a:rPr kumimoji="1" lang="zh-CN" altLang="en-US" smtClean="0"/>
               <a:t>16</a:t>
             </a:fld>
             <a:endParaRPr kumimoji="1" lang="zh-CN" altLang="en-US"/>
@@ -2729,7 +2783,7 @@
 </p:notes>
 </file>
 
-<file path=ppt/notesSlides/notesSlide14.xml><?xml version="1.0" encoding="utf-8"?>
+<file path=ppt/notesSlides/notesSlide15.xml><?xml version="1.0" encoding="utf-8"?>
 <p:notes xmlns:a="http://schemas.openxmlformats.org/drawingml/2006/main" xmlns:r="http://schemas.openxmlformats.org/officeDocument/2006/relationships" xmlns:p="http://schemas.openxmlformats.org/presentationml/2006/main">
   <p:cSld>
     <p:spTree>
@@ -5457,19 +5511,7 @@
                 <a:ea typeface="+mn-ea"/>
                 <a:cs typeface="+mn-cs"/>
               </a:rPr>
-              <a:t>参数</a:t>
-            </a:r>
-            <a:r>
-              <a:rPr lang="zh-CN" altLang="en-US" sz="1200" kern="1200" dirty="0" smtClean="0">
-                <a:solidFill>
-                  <a:schemeClr val="tx1"/>
-                </a:solidFill>
-                <a:effectLst/>
-                <a:latin typeface="+mn-lt"/>
-                <a:ea typeface="+mn-ea"/>
-                <a:cs typeface="+mn-cs"/>
-              </a:rPr>
-              <a:t>。</a:t>
+              <a:t>参数。</a:t>
             </a:r>
             <a:endParaRPr lang="en-US" altLang="zh-CN" sz="1200" kern="1200" dirty="0" smtClean="0">
               <a:solidFill>
@@ -6084,7 +6126,7 @@
           <a:effectLst/>
           <a:extLst>
             <a:ext uri="{91240B29-F687-4f45-9708-019B960494DF}">
-              <a14:hiddenLine xmlns:a14="http://schemas.microsoft.com/office/drawing/2010/main" xmlns="" w="9525">
+              <a14:hiddenLine xmlns="" xmlns:a14="http://schemas.microsoft.com/office/drawing/2010/main" w="9525">
                 <a:solidFill>
                   <a:srgbClr val="000000"/>
                 </a:solidFill>
@@ -7594,7 +7636,7 @@
           <a:ln/>
           <a:extLst>
             <a:ext uri="{91240B29-F687-4f45-9708-019B960494DF}">
-              <a14:hiddenLine xmlns:a14="http://schemas.microsoft.com/office/drawing/2010/main" xmlns="" w="9525">
+              <a14:hiddenLine xmlns="" xmlns:a14="http://schemas.microsoft.com/office/drawing/2010/main" w="9525">
                 <a:solidFill>
                   <a:srgbClr val="000000"/>
                 </a:solidFill>
@@ -7866,7 +7908,7 @@
           <a:ln/>
           <a:extLst>
             <a:ext uri="{91240B29-F687-4f45-9708-019B960494DF}">
-              <a14:hiddenLine xmlns:a14="http://schemas.microsoft.com/office/drawing/2010/main" xmlns="" w="9525">
+              <a14:hiddenLine xmlns="" xmlns:a14="http://schemas.microsoft.com/office/drawing/2010/main" w="9525">
                 <a:solidFill>
                   <a:srgbClr val="000000"/>
                 </a:solidFill>
@@ -8146,7 +8188,7 @@
           <a:ln/>
           <a:extLst>
             <a:ext uri="{91240B29-F687-4f45-9708-019B960494DF}">
-              <a14:hiddenLine xmlns:a14="http://schemas.microsoft.com/office/drawing/2010/main" xmlns="" w="9525">
+              <a14:hiddenLine xmlns="" xmlns:a14="http://schemas.microsoft.com/office/drawing/2010/main" w="9525">
                 <a:solidFill>
                   <a:srgbClr val="000000"/>
                 </a:solidFill>
@@ -8766,7 +8808,7 @@
           <a:ln/>
           <a:extLst>
             <a:ext uri="{91240B29-F687-4f45-9708-019B960494DF}">
-              <a14:hiddenLine xmlns:a14="http://schemas.microsoft.com/office/drawing/2010/main" xmlns="" w="9525">
+              <a14:hiddenLine xmlns="" xmlns:a14="http://schemas.microsoft.com/office/drawing/2010/main" w="9525">
                 <a:solidFill>
                   <a:srgbClr val="000000"/>
                 </a:solidFill>
@@ -9102,7 +9144,7 @@
           <a:ln/>
           <a:extLst>
             <a:ext uri="{91240B29-F687-4f45-9708-019B960494DF}">
-              <a14:hiddenLine xmlns:a14="http://schemas.microsoft.com/office/drawing/2010/main" xmlns="" w="9525">
+              <a14:hiddenLine xmlns="" xmlns:a14="http://schemas.microsoft.com/office/drawing/2010/main" w="9525">
                 <a:solidFill>
                   <a:srgbClr val="000000"/>
                 </a:solidFill>
@@ -9576,7 +9618,7 @@
           <a:ln/>
           <a:extLst>
             <a:ext uri="{91240B29-F687-4f45-9708-019B960494DF}">
-              <a14:hiddenLine xmlns:a14="http://schemas.microsoft.com/office/drawing/2010/main" xmlns="" w="9525">
+              <a14:hiddenLine xmlns="" xmlns:a14="http://schemas.microsoft.com/office/drawing/2010/main" w="9525">
                 <a:solidFill>
                   <a:srgbClr val="000000"/>
                 </a:solidFill>
@@ -9999,7 +10041,7 @@
           <a:ln/>
           <a:extLst>
             <a:ext uri="{91240B29-F687-4f45-9708-019B960494DF}">
-              <a14:hiddenLine xmlns:a14="http://schemas.microsoft.com/office/drawing/2010/main" xmlns="" w="9525">
+              <a14:hiddenLine xmlns="" xmlns:a14="http://schemas.microsoft.com/office/drawing/2010/main" w="9525">
                 <a:solidFill>
                   <a:srgbClr val="000000"/>
                 </a:solidFill>
@@ -12718,17 +12760,35 @@
         </p:spPr>
         <p:txBody>
           <a:bodyPr>
-            <a:normAutofit/>
+            <a:normAutofit lnSpcReduction="10000"/>
           </a:bodyPr>
           <a:lstStyle/>
           <a:p>
             <a:r>
               <a:rPr lang="en-US" altLang="zh-CN" dirty="0" err="1"/>
+              <a:t>m</a:t>
+            </a:r>
+            <a:r>
+              <a:rPr lang="en-US" altLang="zh-CN" dirty="0" err="1" smtClean="0"/>
+              <a:t>kdir</a:t>
+            </a:r>
+            <a:r>
+              <a:rPr lang="en-US" altLang="zh-CN" dirty="0" smtClean="0"/>
+              <a:t> overlay &amp;&amp; cd overlay</a:t>
+            </a:r>
+          </a:p>
+          <a:p>
+            <a:r>
+              <a:rPr lang="en-US" altLang="zh-CN" dirty="0" err="1" smtClean="0"/>
               <a:t>mkdir</a:t>
             </a:r>
             <a:r>
+              <a:rPr lang="en-US" altLang="zh-CN" dirty="0" smtClean="0"/>
+              <a:t> </a:t>
+            </a:r>
+            <a:r>
               <a:rPr lang="en-US" altLang="zh-CN" dirty="0"/>
-              <a:t> low merged upper work</a:t>
+              <a:t>low merged upper work</a:t>
             </a:r>
           </a:p>
           <a:p>
@@ -13018,15 +13078,24 @@
           </a:lstStyle>
           <a:p>
             <a:r>
-              <a:rPr lang="en-US" altLang="zh-CN" smtClean="0"/>
+              <a:rPr lang="en-US" altLang="zh-CN" dirty="0" smtClean="0"/>
               <a:t>cat merged/11.txt </a:t>
             </a:r>
           </a:p>
           <a:p>
             <a:r>
               <a:rPr lang="en-US" altLang="zh-CN" dirty="0" smtClean="0"/>
-              <a:t>echo '1111' &gt; low/11.txt</a:t>
-            </a:r>
+              <a:t>echo '1111' &gt; </a:t>
+            </a:r>
+            <a:r>
+              <a:rPr lang="en-US" altLang="zh-CN" dirty="0"/>
+              <a:t>merged</a:t>
+            </a:r>
+            <a:r>
+              <a:rPr lang="en-US" altLang="zh-CN" dirty="0" smtClean="0"/>
+              <a:t>/11.txt</a:t>
+            </a:r>
+            <a:endParaRPr lang="en-US" altLang="zh-CN" dirty="0" smtClean="0"/>
           </a:p>
           <a:p>
             <a:r>
